--- a/实现与测试/SE2019春-G25-测试分析1.pptx
+++ b/实现与测试/SE2019春-G25-测试分析1.pptx
@@ -5,7 +5,7 @@
     <p:sldMasterId id="2147483660" r:id="rId1"/>
   </p:sldMasterIdLst>
   <p:notesMasterIdLst>
-    <p:notesMasterId r:id="rId19"/>
+    <p:notesMasterId r:id="rId21"/>
   </p:notesMasterIdLst>
   <p:sldIdLst>
     <p:sldId id="368" r:id="rId2"/>
@@ -22,9 +22,11 @@
     <p:sldId id="388" r:id="rId13"/>
     <p:sldId id="393" r:id="rId14"/>
     <p:sldId id="394" r:id="rId15"/>
-    <p:sldId id="384" r:id="rId16"/>
-    <p:sldId id="362" r:id="rId17"/>
-    <p:sldId id="365" r:id="rId18"/>
+    <p:sldId id="399" r:id="rId16"/>
+    <p:sldId id="398" r:id="rId17"/>
+    <p:sldId id="384" r:id="rId18"/>
+    <p:sldId id="362" r:id="rId19"/>
+    <p:sldId id="365" r:id="rId20"/>
   </p:sldIdLst>
   <p:sldSz cx="9144000" cy="6858000" type="screen4x3"/>
   <p:notesSz cx="6858000" cy="9144000"/>
@@ -224,7 +226,7 @@
           <a:p>
             <a:fld id="{4848E391-FE89-4CC7-9BD0-ACE05D40C667}" type="datetimeFigureOut">
               <a:rPr lang="zh-CN" altLang="en-US" smtClean="0"/>
-              <a:t>2019/6/1</a:t>
+              <a:t>2019/6/11</a:t>
             </a:fld>
             <a:endParaRPr lang="zh-CN" altLang="en-US"/>
           </a:p>
@@ -706,7 +708,7 @@
           <a:p>
             <a:fld id="{8872F5F8-F761-48C6-9267-8C5034088554}" type="datetimeFigureOut">
               <a:rPr lang="zh-CN" altLang="en-US" smtClean="0"/>
-              <a:t>2019/6/1</a:t>
+              <a:t>2019/6/11</a:t>
             </a:fld>
             <a:endParaRPr lang="zh-CN" altLang="en-US"/>
           </a:p>
@@ -876,7 +878,7 @@
           <a:p>
             <a:fld id="{8872F5F8-F761-48C6-9267-8C5034088554}" type="datetimeFigureOut">
               <a:rPr lang="zh-CN" altLang="en-US" smtClean="0"/>
-              <a:t>2019/6/1</a:t>
+              <a:t>2019/6/11</a:t>
             </a:fld>
             <a:endParaRPr lang="zh-CN" altLang="en-US"/>
           </a:p>
@@ -1056,7 +1058,7 @@
           <a:p>
             <a:fld id="{8872F5F8-F761-48C6-9267-8C5034088554}" type="datetimeFigureOut">
               <a:rPr lang="zh-CN" altLang="en-US" smtClean="0"/>
-              <a:t>2019/6/1</a:t>
+              <a:t>2019/6/11</a:t>
             </a:fld>
             <a:endParaRPr lang="zh-CN" altLang="en-US"/>
           </a:p>
@@ -1268,7 +1270,7 @@
           <a:p>
             <a:fld id="{8872F5F8-F761-48C6-9267-8C5034088554}" type="datetimeFigureOut">
               <a:rPr lang="zh-CN" altLang="en-US" smtClean="0"/>
-              <a:t>2019/6/1</a:t>
+              <a:t>2019/6/11</a:t>
             </a:fld>
             <a:endParaRPr lang="zh-CN" altLang="en-US"/>
           </a:p>
@@ -1512,7 +1514,7 @@
           <a:p>
             <a:fld id="{8872F5F8-F761-48C6-9267-8C5034088554}" type="datetimeFigureOut">
               <a:rPr lang="zh-CN" altLang="en-US" smtClean="0"/>
-              <a:t>2019/6/1</a:t>
+              <a:t>2019/6/11</a:t>
             </a:fld>
             <a:endParaRPr lang="zh-CN" altLang="en-US"/>
           </a:p>
@@ -1744,7 +1746,7 @@
           <a:p>
             <a:fld id="{8872F5F8-F761-48C6-9267-8C5034088554}" type="datetimeFigureOut">
               <a:rPr lang="zh-CN" altLang="en-US" smtClean="0"/>
-              <a:t>2019/6/1</a:t>
+              <a:t>2019/6/11</a:t>
             </a:fld>
             <a:endParaRPr lang="zh-CN" altLang="en-US"/>
           </a:p>
@@ -2111,7 +2113,7 @@
           <a:p>
             <a:fld id="{8872F5F8-F761-48C6-9267-8C5034088554}" type="datetimeFigureOut">
               <a:rPr lang="zh-CN" altLang="en-US" smtClean="0"/>
-              <a:t>2019/6/1</a:t>
+              <a:t>2019/6/11</a:t>
             </a:fld>
             <a:endParaRPr lang="zh-CN" altLang="en-US"/>
           </a:p>
@@ -2229,7 +2231,7 @@
           <a:p>
             <a:fld id="{8872F5F8-F761-48C6-9267-8C5034088554}" type="datetimeFigureOut">
               <a:rPr lang="zh-CN" altLang="en-US" smtClean="0"/>
-              <a:t>2019/6/1</a:t>
+              <a:t>2019/6/11</a:t>
             </a:fld>
             <a:endParaRPr lang="zh-CN" altLang="en-US"/>
           </a:p>
@@ -2324,7 +2326,7 @@
           <a:p>
             <a:fld id="{8872F5F8-F761-48C6-9267-8C5034088554}" type="datetimeFigureOut">
               <a:rPr lang="zh-CN" altLang="en-US" smtClean="0"/>
-              <a:t>2019/6/1</a:t>
+              <a:t>2019/6/11</a:t>
             </a:fld>
             <a:endParaRPr lang="zh-CN" altLang="en-US"/>
           </a:p>
@@ -2601,7 +2603,7 @@
           <a:p>
             <a:fld id="{8872F5F8-F761-48C6-9267-8C5034088554}" type="datetimeFigureOut">
               <a:rPr lang="zh-CN" altLang="en-US" smtClean="0"/>
-              <a:t>2019/6/1</a:t>
+              <a:t>2019/6/11</a:t>
             </a:fld>
             <a:endParaRPr lang="zh-CN" altLang="en-US"/>
           </a:p>
@@ -2858,7 +2860,7 @@
           <a:p>
             <a:fld id="{8872F5F8-F761-48C6-9267-8C5034088554}" type="datetimeFigureOut">
               <a:rPr lang="zh-CN" altLang="en-US" smtClean="0"/>
-              <a:t>2019/6/1</a:t>
+              <a:t>2019/6/11</a:t>
             </a:fld>
             <a:endParaRPr lang="zh-CN" altLang="en-US"/>
           </a:p>
@@ -3074,7 +3076,7 @@
           <a:p>
             <a:fld id="{8872F5F8-F761-48C6-9267-8C5034088554}" type="datetimeFigureOut">
               <a:rPr lang="zh-CN" altLang="en-US" smtClean="0"/>
-              <a:t>2019/6/1</a:t>
+              <a:t>2019/6/11</a:t>
             </a:fld>
             <a:endParaRPr lang="zh-CN" altLang="en-US"/>
           </a:p>
@@ -5028,7 +5030,7 @@
           <a:graphicData uri="http://schemas.openxmlformats.org/presentationml/2006/ole">
             <mc:AlternateContent xmlns:mc="http://schemas.openxmlformats.org/markup-compatibility/2006">
               <mc:Choice xmlns:v="urn:schemas-microsoft-com:vml" Requires="v">
-                <p:oleObj spid="_x0000_s2052" name="Document" showAsIcon="1" r:id="rId3" imgW="914400" imgH="792360" progId="Word.Document.8">
+                <p:oleObj spid="_x0000_s2054" name="Document" showAsIcon="1" r:id="rId3" imgW="914400" imgH="792360" progId="Word.Document.8">
                   <p:embed/>
                 </p:oleObj>
               </mc:Choice>
@@ -7150,7 +7152,7 @@
                 <a:latin typeface="微软雅黑" panose="020B0503020204020204" pitchFamily="34" charset="-122"/>
                 <a:ea typeface="微软雅黑" panose="020B0503020204020204" pitchFamily="34" charset="-122"/>
               </a:rPr>
-              <a:t>白盒测试 </a:t>
+              <a:t>白盒测试   </a:t>
             </a:r>
             <a:r>
               <a:rPr lang="zh-CN" altLang="en-US" dirty="0">
@@ -7160,7 +7162,7 @@
                 <a:latin typeface="微软雅黑" panose="020B0503020204020204" pitchFamily="34" charset="-122"/>
                 <a:ea typeface="微软雅黑" panose="020B0503020204020204" pitchFamily="34" charset="-122"/>
               </a:rPr>
-              <a:t>黑盒测试</a:t>
+              <a:t>黑盒测试   确认测试</a:t>
             </a:r>
             <a:endParaRPr lang="en-US" altLang="zh-CN" dirty="0">
               <a:solidFill>
@@ -7241,9 +7243,7 @@
           <p:cNvGraphicFramePr>
             <a:graphicFrameLocks noChangeAspect="1"/>
           </p:cNvGraphicFramePr>
-          <p:nvPr>
-            <p:extLst/>
-          </p:nvPr>
+          <p:nvPr/>
         </p:nvGraphicFramePr>
         <p:xfrm>
           <a:off x="2857005" y="1185718"/>
@@ -7253,7 +7253,7 @@
           <a:graphicData uri="http://schemas.openxmlformats.org/presentationml/2006/ole">
             <mc:AlternateContent xmlns:mc="http://schemas.openxmlformats.org/markup-compatibility/2006">
               <mc:Choice xmlns:v="urn:schemas-microsoft-com:vml" Requires="v">
-                <p:oleObj spid="_x0000_s1029" name="Visio" r:id="rId3" imgW="5212080" imgH="4343447" progId="Visio.Drawing.15">
+                <p:oleObj spid="_x0000_s1031" name="Visio" r:id="rId3" imgW="5212080" imgH="4343447" progId="Visio.Drawing.15">
                   <p:embed/>
                 </p:oleObj>
               </mc:Choice>
@@ -7496,7 +7496,7 @@
                 <a:latin typeface="微软雅黑" panose="020B0503020204020204" pitchFamily="34" charset="-122"/>
                 <a:ea typeface="微软雅黑" panose="020B0503020204020204" pitchFamily="34" charset="-122"/>
               </a:rPr>
-              <a:t>白盒测试 </a:t>
+              <a:t>白盒测试   </a:t>
             </a:r>
             <a:r>
               <a:rPr lang="zh-CN" altLang="en-US" dirty="0">
@@ -7506,7 +7506,7 @@
                 <a:latin typeface="微软雅黑" panose="020B0503020204020204" pitchFamily="34" charset="-122"/>
                 <a:ea typeface="微软雅黑" panose="020B0503020204020204" pitchFamily="34" charset="-122"/>
               </a:rPr>
-              <a:t>黑盒测试</a:t>
+              <a:t>黑盒测试   确认测试</a:t>
             </a:r>
             <a:endParaRPr lang="en-US" altLang="zh-CN" dirty="0">
               <a:solidFill>
@@ -7634,9 +7634,7 @@
           <p:cNvGraphicFramePr>
             <a:graphicFrameLocks noGrp="1"/>
           </p:cNvGraphicFramePr>
-          <p:nvPr>
-            <p:extLst/>
-          </p:nvPr>
+          <p:nvPr/>
         </p:nvGraphicFramePr>
         <p:xfrm>
           <a:off x="2989383" y="1832232"/>
@@ -8373,9 +8371,7 @@
           <p:cNvGraphicFramePr>
             <a:graphicFrameLocks noGrp="1"/>
           </p:cNvGraphicFramePr>
-          <p:nvPr>
-            <p:extLst/>
-          </p:nvPr>
+          <p:nvPr/>
         </p:nvGraphicFramePr>
         <p:xfrm>
           <a:off x="2953188" y="3905627"/>
@@ -8679,9 +8675,7 @@
           <p:cNvGraphicFramePr>
             <a:graphicFrameLocks noGrp="1"/>
           </p:cNvGraphicFramePr>
-          <p:nvPr>
-            <p:extLst/>
-          </p:nvPr>
+          <p:nvPr/>
         </p:nvGraphicFramePr>
         <p:xfrm>
           <a:off x="2953188" y="5535629"/>
@@ -9311,7 +9305,17 @@
                 <a:latin typeface="微软雅黑" panose="020B0503020204020204" pitchFamily="34" charset="-122"/>
                 <a:ea typeface="微软雅黑" panose="020B0503020204020204" pitchFamily="34" charset="-122"/>
               </a:rPr>
-              <a:t>黑盒测试</a:t>
+              <a:t>黑盒测试  </a:t>
+            </a:r>
+            <a:r>
+              <a:rPr lang="zh-CN" altLang="en-US" dirty="0">
+                <a:solidFill>
+                  <a:schemeClr val="bg2"/>
+                </a:solidFill>
+                <a:latin typeface="微软雅黑" panose="020B0503020204020204" pitchFamily="34" charset="-122"/>
+                <a:ea typeface="微软雅黑" panose="020B0503020204020204" pitchFamily="34" charset="-122"/>
+              </a:rPr>
+              <a:t>确认测试</a:t>
             </a:r>
             <a:endParaRPr lang="en-US" altLang="zh-CN" dirty="0">
               <a:solidFill>
@@ -9373,6 +9377,700 @@
 </file>
 
 <file path=ppt/slides/slide15.xml><?xml version="1.0" encoding="utf-8"?>
+<p:sld xmlns:a="http://schemas.openxmlformats.org/drawingml/2006/main" xmlns:r="http://schemas.openxmlformats.org/officeDocument/2006/relationships" xmlns:p="http://schemas.openxmlformats.org/presentationml/2006/main">
+  <p:cSld>
+    <p:spTree>
+      <p:nvGrpSpPr>
+        <p:cNvPr id="1" name=""/>
+        <p:cNvGrpSpPr/>
+        <p:nvPr/>
+      </p:nvGrpSpPr>
+      <p:grpSpPr>
+        <a:xfrm>
+          <a:off x="0" y="0"/>
+          <a:ext cx="0" cy="0"/>
+          <a:chOff x="0" y="0"/>
+          <a:chExt cx="0" cy="0"/>
+        </a:xfrm>
+      </p:grpSpPr>
+      <p:grpSp>
+        <p:nvGrpSpPr>
+          <p:cNvPr id="13" name="组合 2">
+            <a:extLst>
+              <a:ext uri="{FF2B5EF4-FFF2-40B4-BE49-F238E27FC236}">
+                <a16:creationId xmlns:a16="http://schemas.microsoft.com/office/drawing/2014/main" id="{AC579923-1C81-470D-991D-41135C46ADB1}"/>
+              </a:ext>
+            </a:extLst>
+          </p:cNvPr>
+          <p:cNvGrpSpPr/>
+          <p:nvPr/>
+        </p:nvGrpSpPr>
+        <p:grpSpPr>
+          <a:xfrm>
+            <a:off x="0" y="0"/>
+            <a:ext cx="2311882" cy="6858000"/>
+            <a:chOff x="0" y="0"/>
+            <a:chExt cx="2311882" cy="6858000"/>
+          </a:xfrm>
+        </p:grpSpPr>
+        <p:sp>
+          <p:nvSpPr>
+            <p:cNvPr id="14" name="矩形 13">
+              <a:extLst>
+                <a:ext uri="{FF2B5EF4-FFF2-40B4-BE49-F238E27FC236}">
+                  <a16:creationId xmlns:a16="http://schemas.microsoft.com/office/drawing/2014/main" id="{707A22D1-6283-4694-9BDA-E0CA5B7B902C}"/>
+                </a:ext>
+              </a:extLst>
+            </p:cNvPr>
+            <p:cNvSpPr/>
+            <p:nvPr/>
+          </p:nvSpPr>
+          <p:spPr>
+            <a:xfrm>
+              <a:off x="0" y="0"/>
+              <a:ext cx="2311882" cy="6858000"/>
+            </a:xfrm>
+            <a:prstGeom prst="rect">
+              <a:avLst/>
+            </a:prstGeom>
+            <a:ln>
+              <a:noFill/>
+            </a:ln>
+          </p:spPr>
+          <p:style>
+            <a:lnRef idx="2">
+              <a:schemeClr val="accent1">
+                <a:shade val="50000"/>
+              </a:schemeClr>
+            </a:lnRef>
+            <a:fillRef idx="1">
+              <a:schemeClr val="accent1"/>
+            </a:fillRef>
+            <a:effectRef idx="0">
+              <a:schemeClr val="accent1"/>
+            </a:effectRef>
+            <a:fontRef idx="minor">
+              <a:schemeClr val="lt1"/>
+            </a:fontRef>
+          </p:style>
+          <p:txBody>
+            <a:bodyPr rtlCol="0" anchor="ctr"/>
+            <a:lstStyle/>
+            <a:p>
+              <a:pPr algn="ctr"/>
+              <a:endParaRPr lang="zh-CN" altLang="en-US"/>
+            </a:p>
+          </p:txBody>
+        </p:sp>
+        <p:sp>
+          <p:nvSpPr>
+            <p:cNvPr id="15" name="文本框 14">
+              <a:extLst>
+                <a:ext uri="{FF2B5EF4-FFF2-40B4-BE49-F238E27FC236}">
+                  <a16:creationId xmlns:a16="http://schemas.microsoft.com/office/drawing/2014/main" id="{2DC17080-AB22-44B0-BD13-733CBAFAA0D3}"/>
+                </a:ext>
+              </a:extLst>
+            </p:cNvPr>
+            <p:cNvSpPr txBox="1"/>
+            <p:nvPr/>
+          </p:nvSpPr>
+          <p:spPr>
+            <a:xfrm>
+              <a:off x="179961" y="756880"/>
+              <a:ext cx="2131921" cy="1200329"/>
+            </a:xfrm>
+            <a:prstGeom prst="rect">
+              <a:avLst/>
+            </a:prstGeom>
+            <a:noFill/>
+            <a:ln>
+              <a:noFill/>
+            </a:ln>
+          </p:spPr>
+          <p:txBody>
+            <a:bodyPr wrap="square" rtlCol="0">
+              <a:spAutoFit/>
+            </a:bodyPr>
+            <a:lstStyle/>
+            <a:p>
+              <a:r>
+                <a:rPr lang="zh-CN" altLang="en-US" sz="3600" kern="100" dirty="0">
+                  <a:solidFill>
+                    <a:schemeClr val="bg1"/>
+                  </a:solidFill>
+                  <a:latin typeface="微软雅黑 Light" panose="020B0502040204020203" pitchFamily="34" charset="-122"/>
+                  <a:ea typeface="微软雅黑 Light" panose="020B0502040204020203" pitchFamily="34" charset="-122"/>
+                </a:rPr>
+                <a:t>项目测试情况</a:t>
+              </a:r>
+            </a:p>
+          </p:txBody>
+        </p:sp>
+      </p:grpSp>
+      <p:sp>
+        <p:nvSpPr>
+          <p:cNvPr id="2" name="文本框 1">
+            <a:extLst>
+              <a:ext uri="{FF2B5EF4-FFF2-40B4-BE49-F238E27FC236}">
+                <a16:creationId xmlns:a16="http://schemas.microsoft.com/office/drawing/2014/main" id="{08D7A8A1-F734-4F4F-AE2B-ABA1EE1FB98C}"/>
+              </a:ext>
+            </a:extLst>
+          </p:cNvPr>
+          <p:cNvSpPr txBox="1"/>
+          <p:nvPr/>
+        </p:nvSpPr>
+        <p:spPr>
+          <a:xfrm>
+            <a:off x="2591104" y="332810"/>
+            <a:ext cx="5956548" cy="369332"/>
+          </a:xfrm>
+          <a:prstGeom prst="rect">
+            <a:avLst/>
+          </a:prstGeom>
+          <a:noFill/>
+        </p:spPr>
+        <p:txBody>
+          <a:bodyPr wrap="square" rtlCol="0">
+            <a:spAutoFit/>
+          </a:bodyPr>
+          <a:lstStyle/>
+          <a:p>
+            <a:r>
+              <a:rPr lang="zh-CN" altLang="en-US" dirty="0">
+                <a:solidFill>
+                  <a:schemeClr val="bg2"/>
+                </a:solidFill>
+                <a:latin typeface="微软雅黑" panose="020B0503020204020204" pitchFamily="34" charset="-122"/>
+                <a:ea typeface="微软雅黑" panose="020B0503020204020204" pitchFamily="34" charset="-122"/>
+              </a:rPr>
+              <a:t>白盒测试 黑盒测试   </a:t>
+            </a:r>
+            <a:r>
+              <a:rPr lang="zh-CN" altLang="en-US" b="1" dirty="0">
+                <a:latin typeface="微软雅黑" panose="020B0503020204020204" pitchFamily="34" charset="-122"/>
+                <a:ea typeface="微软雅黑" panose="020B0503020204020204" pitchFamily="34" charset="-122"/>
+              </a:rPr>
+              <a:t>确认测试</a:t>
+            </a:r>
+            <a:endParaRPr lang="en-US" altLang="zh-CN" dirty="0">
+              <a:solidFill>
+                <a:schemeClr val="bg2"/>
+              </a:solidFill>
+              <a:latin typeface="微软雅黑" panose="020B0503020204020204" pitchFamily="34" charset="-122"/>
+              <a:ea typeface="微软雅黑" panose="020B0503020204020204" pitchFamily="34" charset="-122"/>
+            </a:endParaRPr>
+          </a:p>
+        </p:txBody>
+      </p:sp>
+      <p:sp>
+        <p:nvSpPr>
+          <p:cNvPr id="8" name="文本框 7">
+            <a:extLst>
+              <a:ext uri="{FF2B5EF4-FFF2-40B4-BE49-F238E27FC236}">
+                <a16:creationId xmlns:a16="http://schemas.microsoft.com/office/drawing/2014/main" id="{73B5A2AF-4834-44F9-A83C-9D475BFCDAE3}"/>
+              </a:ext>
+            </a:extLst>
+          </p:cNvPr>
+          <p:cNvSpPr txBox="1"/>
+          <p:nvPr/>
+        </p:nvSpPr>
+        <p:spPr>
+          <a:xfrm>
+            <a:off x="2591105" y="1177699"/>
+            <a:ext cx="6268810" cy="2862322"/>
+          </a:xfrm>
+          <a:prstGeom prst="rect">
+            <a:avLst/>
+          </a:prstGeom>
+          <a:noFill/>
+        </p:spPr>
+        <p:txBody>
+          <a:bodyPr wrap="square" rtlCol="0">
+            <a:spAutoFit/>
+          </a:bodyPr>
+          <a:lstStyle/>
+          <a:p>
+            <a:r>
+              <a:rPr lang="en-US" altLang="zh-CN" dirty="0"/>
+              <a:t>Alpha</a:t>
+            </a:r>
+            <a:r>
+              <a:rPr lang="zh-CN" altLang="en-US" dirty="0"/>
+              <a:t>测试：</a:t>
+            </a:r>
+            <a:endParaRPr lang="en-US" altLang="zh-CN" dirty="0"/>
+          </a:p>
+          <a:p>
+            <a:r>
+              <a:rPr lang="zh-CN" altLang="en-US" dirty="0"/>
+              <a:t>时间：</a:t>
+            </a:r>
+            <a:r>
+              <a:rPr lang="en-US" altLang="zh-CN" dirty="0"/>
+              <a:t>2018.5.24</a:t>
+            </a:r>
+          </a:p>
+          <a:p>
+            <a:r>
+              <a:rPr lang="zh-CN" altLang="en-US" dirty="0"/>
+              <a:t>地点：寝室</a:t>
+            </a:r>
+            <a:endParaRPr lang="en-US" altLang="zh-CN" dirty="0"/>
+          </a:p>
+          <a:p>
+            <a:r>
+              <a:rPr lang="zh-CN" altLang="en-US" dirty="0"/>
+              <a:t>人员：黄宇晟</a:t>
+            </a:r>
+          </a:p>
+          <a:p>
+            <a:r>
+              <a:rPr lang="zh-CN" altLang="en-US" dirty="0"/>
+              <a:t>测试结果：在三位开发人员的“指导下”，该用户对功能课程表</a:t>
+            </a:r>
+            <a:r>
+              <a:rPr lang="en-US" altLang="zh-CN" dirty="0"/>
+              <a:t>APP</a:t>
+            </a:r>
+            <a:r>
+              <a:rPr lang="zh-CN" altLang="en-US" dirty="0"/>
+              <a:t>的已实现的功能用了一遍，同时仔细审核了自己原先的需求定义。认为该</a:t>
+            </a:r>
+            <a:r>
+              <a:rPr lang="en-US" altLang="zh-CN" dirty="0"/>
+              <a:t>App</a:t>
+            </a:r>
+            <a:r>
+              <a:rPr lang="zh-CN" altLang="en-US" dirty="0"/>
+              <a:t>与自己理想需求存在一定的差异。有如下差异：</a:t>
+            </a:r>
+            <a:r>
+              <a:rPr lang="en-US" altLang="zh-CN" dirty="0"/>
+              <a:t>1</a:t>
+            </a:r>
+            <a:r>
+              <a:rPr lang="zh-CN" altLang="en-US" dirty="0"/>
+              <a:t>、界面设计不过高级 </a:t>
+            </a:r>
+            <a:r>
+              <a:rPr lang="en-US" altLang="zh-CN" dirty="0"/>
+              <a:t>2</a:t>
+            </a:r>
+            <a:r>
+              <a:rPr lang="zh-CN" altLang="en-US" dirty="0"/>
+              <a:t>、未完成提醒事项功能 </a:t>
+            </a:r>
+            <a:r>
+              <a:rPr lang="en-US" altLang="zh-CN" dirty="0"/>
+              <a:t>3</a:t>
+            </a:r>
+            <a:r>
+              <a:rPr lang="zh-CN" altLang="en-US" dirty="0"/>
+              <a:t>、仍然存在部分功能模块问题</a:t>
+            </a:r>
+          </a:p>
+          <a:p>
+            <a:r>
+              <a:rPr lang="zh-CN" altLang="en-US" dirty="0"/>
+              <a:t>在操作方面，该用户认为比较简单，容易上手。</a:t>
+            </a:r>
+          </a:p>
+        </p:txBody>
+      </p:sp>
+    </p:spTree>
+    <p:extLst>
+      <p:ext uri="{BB962C8B-B14F-4D97-AF65-F5344CB8AC3E}">
+        <p14:creationId xmlns:p14="http://schemas.microsoft.com/office/powerpoint/2010/main" val="3093384897"/>
+      </p:ext>
+    </p:extLst>
+  </p:cSld>
+  <p:clrMapOvr>
+    <a:masterClrMapping/>
+  </p:clrMapOvr>
+  <mc:AlternateContent xmlns:mc="http://schemas.openxmlformats.org/markup-compatibility/2006" xmlns:p14="http://schemas.microsoft.com/office/powerpoint/2010/main">
+    <mc:Choice Requires="p14">
+      <p:transition spd="med" p14:dur="700">
+        <p:fade/>
+      </p:transition>
+    </mc:Choice>
+    <mc:Fallback xmlns="">
+      <p:transition spd="med">
+        <p:fade/>
+      </p:transition>
+    </mc:Fallback>
+  </mc:AlternateContent>
+</p:sld>
+</file>
+
+<file path=ppt/slides/slide16.xml><?xml version="1.0" encoding="utf-8"?>
+<p:sld xmlns:a="http://schemas.openxmlformats.org/drawingml/2006/main" xmlns:r="http://schemas.openxmlformats.org/officeDocument/2006/relationships" xmlns:p="http://schemas.openxmlformats.org/presentationml/2006/main">
+  <p:cSld>
+    <p:spTree>
+      <p:nvGrpSpPr>
+        <p:cNvPr id="1" name=""/>
+        <p:cNvGrpSpPr/>
+        <p:nvPr/>
+      </p:nvGrpSpPr>
+      <p:grpSpPr>
+        <a:xfrm>
+          <a:off x="0" y="0"/>
+          <a:ext cx="0" cy="0"/>
+          <a:chOff x="0" y="0"/>
+          <a:chExt cx="0" cy="0"/>
+        </a:xfrm>
+      </p:grpSpPr>
+      <p:grpSp>
+        <p:nvGrpSpPr>
+          <p:cNvPr id="13" name="组合 2">
+            <a:extLst>
+              <a:ext uri="{FF2B5EF4-FFF2-40B4-BE49-F238E27FC236}">
+                <a16:creationId xmlns:a16="http://schemas.microsoft.com/office/drawing/2014/main" id="{AC579923-1C81-470D-991D-41135C46ADB1}"/>
+              </a:ext>
+            </a:extLst>
+          </p:cNvPr>
+          <p:cNvGrpSpPr/>
+          <p:nvPr/>
+        </p:nvGrpSpPr>
+        <p:grpSpPr>
+          <a:xfrm>
+            <a:off x="0" y="0"/>
+            <a:ext cx="2311882" cy="6858000"/>
+            <a:chOff x="0" y="0"/>
+            <a:chExt cx="2311882" cy="6858000"/>
+          </a:xfrm>
+        </p:grpSpPr>
+        <p:sp>
+          <p:nvSpPr>
+            <p:cNvPr id="14" name="矩形 13">
+              <a:extLst>
+                <a:ext uri="{FF2B5EF4-FFF2-40B4-BE49-F238E27FC236}">
+                  <a16:creationId xmlns:a16="http://schemas.microsoft.com/office/drawing/2014/main" id="{707A22D1-6283-4694-9BDA-E0CA5B7B902C}"/>
+                </a:ext>
+              </a:extLst>
+            </p:cNvPr>
+            <p:cNvSpPr/>
+            <p:nvPr/>
+          </p:nvSpPr>
+          <p:spPr>
+            <a:xfrm>
+              <a:off x="0" y="0"/>
+              <a:ext cx="2311882" cy="6858000"/>
+            </a:xfrm>
+            <a:prstGeom prst="rect">
+              <a:avLst/>
+            </a:prstGeom>
+            <a:ln>
+              <a:noFill/>
+            </a:ln>
+          </p:spPr>
+          <p:style>
+            <a:lnRef idx="2">
+              <a:schemeClr val="accent1">
+                <a:shade val="50000"/>
+              </a:schemeClr>
+            </a:lnRef>
+            <a:fillRef idx="1">
+              <a:schemeClr val="accent1"/>
+            </a:fillRef>
+            <a:effectRef idx="0">
+              <a:schemeClr val="accent1"/>
+            </a:effectRef>
+            <a:fontRef idx="minor">
+              <a:schemeClr val="lt1"/>
+            </a:fontRef>
+          </p:style>
+          <p:txBody>
+            <a:bodyPr rtlCol="0" anchor="ctr"/>
+            <a:lstStyle/>
+            <a:p>
+              <a:pPr algn="ctr"/>
+              <a:endParaRPr lang="zh-CN" altLang="en-US"/>
+            </a:p>
+          </p:txBody>
+        </p:sp>
+        <p:sp>
+          <p:nvSpPr>
+            <p:cNvPr id="15" name="文本框 14">
+              <a:extLst>
+                <a:ext uri="{FF2B5EF4-FFF2-40B4-BE49-F238E27FC236}">
+                  <a16:creationId xmlns:a16="http://schemas.microsoft.com/office/drawing/2014/main" id="{2DC17080-AB22-44B0-BD13-733CBAFAA0D3}"/>
+                </a:ext>
+              </a:extLst>
+            </p:cNvPr>
+            <p:cNvSpPr txBox="1"/>
+            <p:nvPr/>
+          </p:nvSpPr>
+          <p:spPr>
+            <a:xfrm>
+              <a:off x="179961" y="756880"/>
+              <a:ext cx="2131921" cy="1200329"/>
+            </a:xfrm>
+            <a:prstGeom prst="rect">
+              <a:avLst/>
+            </a:prstGeom>
+            <a:noFill/>
+            <a:ln>
+              <a:noFill/>
+            </a:ln>
+          </p:spPr>
+          <p:txBody>
+            <a:bodyPr wrap="square" rtlCol="0">
+              <a:spAutoFit/>
+            </a:bodyPr>
+            <a:lstStyle/>
+            <a:p>
+              <a:r>
+                <a:rPr lang="zh-CN" altLang="en-US" sz="3600" kern="100" dirty="0">
+                  <a:solidFill>
+                    <a:schemeClr val="bg1"/>
+                  </a:solidFill>
+                  <a:latin typeface="微软雅黑 Light" panose="020B0502040204020203" pitchFamily="34" charset="-122"/>
+                  <a:ea typeface="微软雅黑 Light" panose="020B0502040204020203" pitchFamily="34" charset="-122"/>
+                </a:rPr>
+                <a:t>项目测试情况</a:t>
+              </a:r>
+            </a:p>
+          </p:txBody>
+        </p:sp>
+      </p:grpSp>
+      <p:sp>
+        <p:nvSpPr>
+          <p:cNvPr id="2" name="文本框 1">
+            <a:extLst>
+              <a:ext uri="{FF2B5EF4-FFF2-40B4-BE49-F238E27FC236}">
+                <a16:creationId xmlns:a16="http://schemas.microsoft.com/office/drawing/2014/main" id="{08D7A8A1-F734-4F4F-AE2B-ABA1EE1FB98C}"/>
+              </a:ext>
+            </a:extLst>
+          </p:cNvPr>
+          <p:cNvSpPr txBox="1"/>
+          <p:nvPr/>
+        </p:nvSpPr>
+        <p:spPr>
+          <a:xfrm>
+            <a:off x="2591104" y="332810"/>
+            <a:ext cx="5956548" cy="369332"/>
+          </a:xfrm>
+          <a:prstGeom prst="rect">
+            <a:avLst/>
+          </a:prstGeom>
+          <a:noFill/>
+        </p:spPr>
+        <p:txBody>
+          <a:bodyPr wrap="square" rtlCol="0">
+            <a:spAutoFit/>
+          </a:bodyPr>
+          <a:lstStyle/>
+          <a:p>
+            <a:r>
+              <a:rPr lang="zh-CN" altLang="en-US" dirty="0">
+                <a:solidFill>
+                  <a:schemeClr val="bg2"/>
+                </a:solidFill>
+                <a:latin typeface="微软雅黑" panose="020B0503020204020204" pitchFamily="34" charset="-122"/>
+                <a:ea typeface="微软雅黑" panose="020B0503020204020204" pitchFamily="34" charset="-122"/>
+              </a:rPr>
+              <a:t>白盒测试 黑盒测试   </a:t>
+            </a:r>
+            <a:r>
+              <a:rPr lang="zh-CN" altLang="en-US" b="1" dirty="0">
+                <a:latin typeface="微软雅黑" panose="020B0503020204020204" pitchFamily="34" charset="-122"/>
+                <a:ea typeface="微软雅黑" panose="020B0503020204020204" pitchFamily="34" charset="-122"/>
+              </a:rPr>
+              <a:t>确认测试</a:t>
+            </a:r>
+            <a:endParaRPr lang="en-US" altLang="zh-CN" dirty="0">
+              <a:solidFill>
+                <a:schemeClr val="bg2"/>
+              </a:solidFill>
+              <a:latin typeface="微软雅黑" panose="020B0503020204020204" pitchFamily="34" charset="-122"/>
+              <a:ea typeface="微软雅黑" panose="020B0503020204020204" pitchFamily="34" charset="-122"/>
+            </a:endParaRPr>
+          </a:p>
+        </p:txBody>
+      </p:sp>
+      <p:sp>
+        <p:nvSpPr>
+          <p:cNvPr id="8" name="文本框 7">
+            <a:extLst>
+              <a:ext uri="{FF2B5EF4-FFF2-40B4-BE49-F238E27FC236}">
+                <a16:creationId xmlns:a16="http://schemas.microsoft.com/office/drawing/2014/main" id="{73B5A2AF-4834-44F9-A83C-9D475BFCDAE3}"/>
+              </a:ext>
+            </a:extLst>
+          </p:cNvPr>
+          <p:cNvSpPr txBox="1"/>
+          <p:nvPr/>
+        </p:nvSpPr>
+        <p:spPr>
+          <a:xfrm>
+            <a:off x="2591105" y="1177699"/>
+            <a:ext cx="6268810" cy="2308324"/>
+          </a:xfrm>
+          <a:prstGeom prst="rect">
+            <a:avLst/>
+          </a:prstGeom>
+          <a:noFill/>
+        </p:spPr>
+        <p:txBody>
+          <a:bodyPr wrap="square" rtlCol="0">
+            <a:spAutoFit/>
+          </a:bodyPr>
+          <a:lstStyle/>
+          <a:p>
+            <a:r>
+              <a:rPr lang="en-US" altLang="zh-CN" dirty="0"/>
+              <a:t>Beta</a:t>
+            </a:r>
+            <a:r>
+              <a:rPr lang="zh-CN" altLang="en-US" dirty="0"/>
+              <a:t>测试：</a:t>
+            </a:r>
+            <a:endParaRPr lang="en-US" altLang="zh-CN" dirty="0"/>
+          </a:p>
+          <a:p>
+            <a:pPr>
+              <a:defRPr/>
+            </a:pPr>
+            <a:r>
+              <a:rPr lang="zh-CN" altLang="zh-CN" dirty="0"/>
+              <a:t>时间：</a:t>
+            </a:r>
+            <a:r>
+              <a:rPr lang="en-US" altLang="zh-CN" dirty="0"/>
+              <a:t>2018.5.22-2018.5.26</a:t>
+            </a:r>
+            <a:endParaRPr lang="zh-CN" altLang="zh-CN" dirty="0"/>
+          </a:p>
+          <a:p>
+            <a:pPr>
+              <a:defRPr/>
+            </a:pPr>
+            <a:r>
+              <a:rPr lang="zh-CN" altLang="zh-CN" dirty="0"/>
+              <a:t>方式：</a:t>
+            </a:r>
+            <a:r>
+              <a:rPr lang="en-US" altLang="zh-CN" dirty="0"/>
+              <a:t>App</a:t>
+            </a:r>
+            <a:r>
+              <a:rPr lang="zh-CN" altLang="zh-CN" dirty="0"/>
+              <a:t>里的用户反馈</a:t>
+            </a:r>
+          </a:p>
+          <a:p>
+            <a:pPr>
+              <a:defRPr/>
+            </a:pPr>
+            <a:r>
+              <a:rPr lang="zh-CN" altLang="zh-CN" dirty="0"/>
+              <a:t>人员：部分计算学院大一大二学生</a:t>
+            </a:r>
+            <a:endParaRPr lang="en-US" altLang="zh-CN" dirty="0"/>
+          </a:p>
+          <a:p>
+            <a:pPr>
+              <a:defRPr/>
+            </a:pPr>
+            <a:r>
+              <a:rPr lang="zh-CN" altLang="zh-CN" dirty="0"/>
+              <a:t>测试结果</a:t>
+            </a:r>
+            <a:r>
+              <a:rPr lang="zh-CN" altLang="en-US" dirty="0"/>
+              <a:t>及</a:t>
+            </a:r>
+            <a:r>
+              <a:rPr lang="zh-CN" altLang="zh-CN" dirty="0"/>
+              <a:t>存在的问题</a:t>
+            </a:r>
+            <a:r>
+              <a:rPr lang="zh-CN" altLang="en-US" dirty="0"/>
+              <a:t>：</a:t>
+            </a:r>
+            <a:endParaRPr lang="en-US" altLang="zh-CN" dirty="0"/>
+          </a:p>
+          <a:p>
+            <a:pPr>
+              <a:defRPr/>
+            </a:pPr>
+            <a:r>
+              <a:rPr lang="en-US" altLang="zh-CN" dirty="0"/>
+              <a:t>1</a:t>
+            </a:r>
+            <a:r>
+              <a:rPr lang="zh-CN" altLang="en-US" dirty="0"/>
+              <a:t>、课程表操作方便，课程信息设置比较完整</a:t>
+            </a:r>
+            <a:endParaRPr lang="en-US" altLang="zh-CN" dirty="0"/>
+          </a:p>
+          <a:p>
+            <a:pPr>
+              <a:defRPr/>
+            </a:pPr>
+            <a:r>
+              <a:rPr lang="en-US" altLang="zh-CN" dirty="0"/>
+              <a:t>2</a:t>
+            </a:r>
+            <a:r>
+              <a:rPr lang="zh-CN" altLang="zh-CN" dirty="0"/>
+              <a:t>、界</a:t>
+            </a:r>
+            <a:r>
+              <a:rPr lang="zh-CN" altLang="en-US" dirty="0"/>
+              <a:t>面</a:t>
+            </a:r>
+            <a:r>
+              <a:rPr lang="zh-CN" altLang="zh-CN" dirty="0"/>
+              <a:t>不美观</a:t>
+            </a:r>
+            <a:endParaRPr lang="en-US" altLang="zh-CN" dirty="0"/>
+          </a:p>
+          <a:p>
+            <a:pPr>
+              <a:defRPr/>
+            </a:pPr>
+            <a:r>
+              <a:rPr lang="en-US" altLang="zh-CN" dirty="0"/>
+              <a:t>3</a:t>
+            </a:r>
+            <a:r>
+              <a:rPr lang="zh-CN" altLang="zh-CN" dirty="0"/>
+              <a:t>、</a:t>
+            </a:r>
+            <a:r>
+              <a:rPr lang="zh-CN" altLang="en-US" dirty="0"/>
+              <a:t>无法登陆注册，只能在本地对课表进行操作</a:t>
+            </a:r>
+            <a:endParaRPr lang="en-US" altLang="zh-CN" dirty="0"/>
+          </a:p>
+        </p:txBody>
+      </p:sp>
+    </p:spTree>
+    <p:extLst>
+      <p:ext uri="{BB962C8B-B14F-4D97-AF65-F5344CB8AC3E}">
+        <p14:creationId xmlns:p14="http://schemas.microsoft.com/office/powerpoint/2010/main" val="3251545986"/>
+      </p:ext>
+    </p:extLst>
+  </p:cSld>
+  <p:clrMapOvr>
+    <a:masterClrMapping/>
+  </p:clrMapOvr>
+  <mc:AlternateContent xmlns:mc="http://schemas.openxmlformats.org/markup-compatibility/2006" xmlns:p14="http://schemas.microsoft.com/office/powerpoint/2010/main">
+    <mc:Choice Requires="p14">
+      <p:transition spd="med" p14:dur="700">
+        <p:fade/>
+      </p:transition>
+    </mc:Choice>
+    <mc:Fallback xmlns="">
+      <p:transition spd="med">
+        <p:fade/>
+      </p:transition>
+    </mc:Fallback>
+  </mc:AlternateContent>
+</p:sld>
+</file>
+
+<file path=ppt/slides/slide17.xml><?xml version="1.0" encoding="utf-8"?>
 <p:sld xmlns:a="http://schemas.openxmlformats.org/drawingml/2006/main" xmlns:r="http://schemas.openxmlformats.org/officeDocument/2006/relationships" xmlns:p="http://schemas.openxmlformats.org/presentationml/2006/main">
   <p:cSld>
     <p:spTree>
@@ -10229,7 +10927,7 @@
 </p:sld>
 </file>
 
-<file path=ppt/slides/slide16.xml><?xml version="1.0" encoding="utf-8"?>
+<file path=ppt/slides/slide18.xml><?xml version="1.0" encoding="utf-8"?>
 <p:sld xmlns:a="http://schemas.openxmlformats.org/drawingml/2006/main" xmlns:r="http://schemas.openxmlformats.org/officeDocument/2006/relationships" xmlns:p="http://schemas.openxmlformats.org/presentationml/2006/main">
   <p:cSld>
     <p:spTree>
@@ -10624,7 +11322,7 @@
 </p:sld>
 </file>
 
-<file path=ppt/slides/slide17.xml><?xml version="1.0" encoding="utf-8"?>
+<file path=ppt/slides/slide19.xml><?xml version="1.0" encoding="utf-8"?>
 <p:sld xmlns:a="http://schemas.openxmlformats.org/drawingml/2006/main" xmlns:r="http://schemas.openxmlformats.org/officeDocument/2006/relationships" xmlns:p="http://schemas.openxmlformats.org/presentationml/2006/main">
   <p:cSld>
     <p:spTree>
